--- a/VideoPresentation.pptx
+++ b/VideoPresentation.pptx
@@ -5,10 +5,17 @@
     <p:sldMasterId id="2147483648" r:id="rId1"/>
   </p:sldMasterIdLst>
   <p:notesMasterIdLst>
-    <p:notesMasterId r:id="rId3"/>
+    <p:notesMasterId r:id="rId10"/>
   </p:notesMasterIdLst>
   <p:sldIdLst>
     <p:sldId id="256" r:id="rId2"/>
+    <p:sldId id="257" r:id="rId3"/>
+    <p:sldId id="265" r:id="rId4"/>
+    <p:sldId id="260" r:id="rId5"/>
+    <p:sldId id="264" r:id="rId6"/>
+    <p:sldId id="259" r:id="rId7"/>
+    <p:sldId id="263" r:id="rId8"/>
+    <p:sldId id="262" r:id="rId9"/>
   </p:sldIdLst>
   <p:sldSz cx="12192000" cy="6858000"/>
   <p:notesSz cx="6858000" cy="9144000"/>
@@ -107,6 +114,11 @@
       </a:defRPr>
     </a:lvl9pPr>
   </p:defaultTextStyle>
+  <p:extLst>
+    <p:ext uri="{EFAFB233-063F-42B5-8137-9DF3F51BA10A}">
+      <p15:sldGuideLst xmlns:p15="http://schemas.microsoft.com/office/powerpoint/2012/main"/>
+    </p:ext>
+  </p:extLst>
 </p:presentation>
 </file>
 
@@ -542,6 +554,392 @@
     <p:extLst>
       <p:ext uri="{BB962C8B-B14F-4D97-AF65-F5344CB8AC3E}">
         <p14:creationId xmlns:p14="http://schemas.microsoft.com/office/powerpoint/2010/main" val="3297521817"/>
+      </p:ext>
+    </p:extLst>
+  </p:cSld>
+  <p:clrMapOvr>
+    <a:masterClrMapping/>
+  </p:clrMapOvr>
+</p:notes>
+</file>
+
+<file path=ppt/notesSlides/notesSlide2.xml><?xml version="1.0" encoding="utf-8"?>
+<p:notes xmlns:a="http://schemas.openxmlformats.org/drawingml/2006/main" xmlns:r="http://schemas.openxmlformats.org/officeDocument/2006/relationships" xmlns:p="http://schemas.openxmlformats.org/presentationml/2006/main">
+  <p:cSld>
+    <p:spTree>
+      <p:nvGrpSpPr>
+        <p:cNvPr id="1" name=""/>
+        <p:cNvGrpSpPr/>
+        <p:nvPr/>
+      </p:nvGrpSpPr>
+      <p:grpSpPr>
+        <a:xfrm>
+          <a:off x="0" y="0"/>
+          <a:ext cx="0" cy="0"/>
+          <a:chOff x="0" y="0"/>
+          <a:chExt cx="0" cy="0"/>
+        </a:xfrm>
+      </p:grpSpPr>
+      <p:sp>
+        <p:nvSpPr>
+          <p:cNvPr id="2" name="Slide Image Placeholder 1"/>
+          <p:cNvSpPr>
+            <a:spLocks noGrp="1" noRot="1" noChangeAspect="1"/>
+          </p:cNvSpPr>
+          <p:nvPr>
+            <p:ph type="sldImg"/>
+          </p:nvPr>
+        </p:nvSpPr>
+        <p:spPr/>
+      </p:sp>
+      <p:sp>
+        <p:nvSpPr>
+          <p:cNvPr id="3" name="Notes Placeholder 2"/>
+          <p:cNvSpPr>
+            <a:spLocks noGrp="1"/>
+          </p:cNvSpPr>
+          <p:nvPr>
+            <p:ph type="body" idx="1"/>
+          </p:nvPr>
+        </p:nvSpPr>
+        <p:spPr/>
+        <p:txBody>
+          <a:bodyPr/>
+          <a:lstStyle/>
+          <a:p>
+            <a:r>
+              <a:rPr lang="en-GB" dirty="0"/>
+              <a:t>As credentials are stored locally, they can only be accessed if a malicious user gained access to the computer and could decrypt the values.</a:t>
+            </a:r>
+          </a:p>
+          <a:p>
+            <a:r>
+              <a:rPr lang="en-GB" dirty="0"/>
+              <a:t>This is less likely to happen than if a web-based manager was breached, and affects far fewer users.</a:t>
+            </a:r>
+          </a:p>
+        </p:txBody>
+      </p:sp>
+      <p:sp>
+        <p:nvSpPr>
+          <p:cNvPr id="4" name="Slide Number Placeholder 3"/>
+          <p:cNvSpPr>
+            <a:spLocks noGrp="1"/>
+          </p:cNvSpPr>
+          <p:nvPr>
+            <p:ph type="sldNum" sz="quarter" idx="5"/>
+          </p:nvPr>
+        </p:nvSpPr>
+        <p:spPr/>
+        <p:txBody>
+          <a:bodyPr/>
+          <a:lstStyle/>
+          <a:p>
+            <a:fld id="{E9FCF9A7-EAB3-474B-B51F-883BF6ED0CC5}" type="slidenum">
+              <a:rPr lang="en-GB" smtClean="0"/>
+              <a:t>3</a:t>
+            </a:fld>
+            <a:endParaRPr lang="en-GB"/>
+          </a:p>
+        </p:txBody>
+      </p:sp>
+    </p:spTree>
+    <p:extLst>
+      <p:ext uri="{BB962C8B-B14F-4D97-AF65-F5344CB8AC3E}">
+        <p14:creationId xmlns:p14="http://schemas.microsoft.com/office/powerpoint/2010/main" val="3883092468"/>
+      </p:ext>
+    </p:extLst>
+  </p:cSld>
+  <p:clrMapOvr>
+    <a:masterClrMapping/>
+  </p:clrMapOvr>
+</p:notes>
+</file>
+
+<file path=ppt/notesSlides/notesSlide3.xml><?xml version="1.0" encoding="utf-8"?>
+<p:notes xmlns:a="http://schemas.openxmlformats.org/drawingml/2006/main" xmlns:r="http://schemas.openxmlformats.org/officeDocument/2006/relationships" xmlns:p="http://schemas.openxmlformats.org/presentationml/2006/main">
+  <p:cSld>
+    <p:spTree>
+      <p:nvGrpSpPr>
+        <p:cNvPr id="1" name=""/>
+        <p:cNvGrpSpPr/>
+        <p:nvPr/>
+      </p:nvGrpSpPr>
+      <p:grpSpPr>
+        <a:xfrm>
+          <a:off x="0" y="0"/>
+          <a:ext cx="0" cy="0"/>
+          <a:chOff x="0" y="0"/>
+          <a:chExt cx="0" cy="0"/>
+        </a:xfrm>
+      </p:grpSpPr>
+      <p:sp>
+        <p:nvSpPr>
+          <p:cNvPr id="2" name="Slide Image Placeholder 1"/>
+          <p:cNvSpPr>
+            <a:spLocks noGrp="1" noRot="1" noChangeAspect="1"/>
+          </p:cNvSpPr>
+          <p:nvPr>
+            <p:ph type="sldImg"/>
+          </p:nvPr>
+        </p:nvSpPr>
+        <p:spPr/>
+      </p:sp>
+      <p:sp>
+        <p:nvSpPr>
+          <p:cNvPr id="3" name="Notes Placeholder 2"/>
+          <p:cNvSpPr>
+            <a:spLocks noGrp="1"/>
+          </p:cNvSpPr>
+          <p:nvPr>
+            <p:ph type="body" idx="1"/>
+          </p:nvPr>
+        </p:nvSpPr>
+        <p:spPr/>
+        <p:txBody>
+          <a:bodyPr/>
+          <a:lstStyle/>
+          <a:p>
+            <a:endParaRPr lang="en-GB" dirty="0"/>
+          </a:p>
+        </p:txBody>
+      </p:sp>
+      <p:sp>
+        <p:nvSpPr>
+          <p:cNvPr id="4" name="Slide Number Placeholder 3"/>
+          <p:cNvSpPr>
+            <a:spLocks noGrp="1"/>
+          </p:cNvSpPr>
+          <p:nvPr>
+            <p:ph type="sldNum" sz="quarter" idx="5"/>
+          </p:nvPr>
+        </p:nvSpPr>
+        <p:spPr/>
+        <p:txBody>
+          <a:bodyPr/>
+          <a:lstStyle/>
+          <a:p>
+            <a:fld id="{E9FCF9A7-EAB3-474B-B51F-883BF6ED0CC5}" type="slidenum">
+              <a:rPr lang="en-GB" smtClean="0"/>
+              <a:t>6</a:t>
+            </a:fld>
+            <a:endParaRPr lang="en-GB"/>
+          </a:p>
+        </p:txBody>
+      </p:sp>
+    </p:spTree>
+    <p:extLst>
+      <p:ext uri="{BB962C8B-B14F-4D97-AF65-F5344CB8AC3E}">
+        <p14:creationId xmlns:p14="http://schemas.microsoft.com/office/powerpoint/2010/main" val="3109530536"/>
+      </p:ext>
+    </p:extLst>
+  </p:cSld>
+  <p:clrMapOvr>
+    <a:masterClrMapping/>
+  </p:clrMapOvr>
+</p:notes>
+</file>
+
+<file path=ppt/notesSlides/notesSlide4.xml><?xml version="1.0" encoding="utf-8"?>
+<p:notes xmlns:a="http://schemas.openxmlformats.org/drawingml/2006/main" xmlns:r="http://schemas.openxmlformats.org/officeDocument/2006/relationships" xmlns:p="http://schemas.openxmlformats.org/presentationml/2006/main">
+  <p:cSld>
+    <p:spTree>
+      <p:nvGrpSpPr>
+        <p:cNvPr id="1" name=""/>
+        <p:cNvGrpSpPr/>
+        <p:nvPr/>
+      </p:nvGrpSpPr>
+      <p:grpSpPr>
+        <a:xfrm>
+          <a:off x="0" y="0"/>
+          <a:ext cx="0" cy="0"/>
+          <a:chOff x="0" y="0"/>
+          <a:chExt cx="0" cy="0"/>
+        </a:xfrm>
+      </p:grpSpPr>
+      <p:sp>
+        <p:nvSpPr>
+          <p:cNvPr id="2" name="Slide Image Placeholder 1"/>
+          <p:cNvSpPr>
+            <a:spLocks noGrp="1" noRot="1" noChangeAspect="1"/>
+          </p:cNvSpPr>
+          <p:nvPr>
+            <p:ph type="sldImg"/>
+          </p:nvPr>
+        </p:nvSpPr>
+        <p:spPr/>
+      </p:sp>
+      <p:sp>
+        <p:nvSpPr>
+          <p:cNvPr id="3" name="Notes Placeholder 2"/>
+          <p:cNvSpPr>
+            <a:spLocks noGrp="1"/>
+          </p:cNvSpPr>
+          <p:nvPr>
+            <p:ph type="body" idx="1"/>
+          </p:nvPr>
+        </p:nvSpPr>
+        <p:spPr/>
+        <p:txBody>
+          <a:bodyPr/>
+          <a:lstStyle/>
+          <a:p>
+            <a:r>
+              <a:rPr lang="en-GB" dirty="0"/>
+              <a:t>These are two basic designs. While the left one is mostly consistent with prototypes, the right one has been altered.</a:t>
+            </a:r>
+          </a:p>
+          <a:p>
+            <a:r>
+              <a:rPr lang="en-GB" dirty="0"/>
+              <a:t>Display prototype after this page.</a:t>
+            </a:r>
+          </a:p>
+        </p:txBody>
+      </p:sp>
+      <p:sp>
+        <p:nvSpPr>
+          <p:cNvPr id="4" name="Slide Number Placeholder 3"/>
+          <p:cNvSpPr>
+            <a:spLocks noGrp="1"/>
+          </p:cNvSpPr>
+          <p:nvPr>
+            <p:ph type="sldNum" sz="quarter" idx="5"/>
+          </p:nvPr>
+        </p:nvSpPr>
+        <p:spPr/>
+        <p:txBody>
+          <a:bodyPr/>
+          <a:lstStyle/>
+          <a:p>
+            <a:fld id="{E9FCF9A7-EAB3-474B-B51F-883BF6ED0CC5}" type="slidenum">
+              <a:rPr lang="en-GB" smtClean="0"/>
+              <a:t>7</a:t>
+            </a:fld>
+            <a:endParaRPr lang="en-GB"/>
+          </a:p>
+        </p:txBody>
+      </p:sp>
+    </p:spTree>
+    <p:extLst>
+      <p:ext uri="{BB962C8B-B14F-4D97-AF65-F5344CB8AC3E}">
+        <p14:creationId xmlns:p14="http://schemas.microsoft.com/office/powerpoint/2010/main" val="55098494"/>
+      </p:ext>
+    </p:extLst>
+  </p:cSld>
+  <p:clrMapOvr>
+    <a:masterClrMapping/>
+  </p:clrMapOvr>
+</p:notes>
+</file>
+
+<file path=ppt/notesSlides/notesSlide5.xml><?xml version="1.0" encoding="utf-8"?>
+<p:notes xmlns:a="http://schemas.openxmlformats.org/drawingml/2006/main" xmlns:r="http://schemas.openxmlformats.org/officeDocument/2006/relationships" xmlns:p="http://schemas.openxmlformats.org/presentationml/2006/main">
+  <p:cSld>
+    <p:spTree>
+      <p:nvGrpSpPr>
+        <p:cNvPr id="1" name=""/>
+        <p:cNvGrpSpPr/>
+        <p:nvPr/>
+      </p:nvGrpSpPr>
+      <p:grpSpPr>
+        <a:xfrm>
+          <a:off x="0" y="0"/>
+          <a:ext cx="0" cy="0"/>
+          <a:chOff x="0" y="0"/>
+          <a:chExt cx="0" cy="0"/>
+        </a:xfrm>
+      </p:grpSpPr>
+      <p:sp>
+        <p:nvSpPr>
+          <p:cNvPr id="2" name="Slide Image Placeholder 1"/>
+          <p:cNvSpPr>
+            <a:spLocks noGrp="1" noRot="1" noChangeAspect="1"/>
+          </p:cNvSpPr>
+          <p:nvPr>
+            <p:ph type="sldImg"/>
+          </p:nvPr>
+        </p:nvSpPr>
+        <p:spPr/>
+      </p:sp>
+      <p:sp>
+        <p:nvSpPr>
+          <p:cNvPr id="3" name="Notes Placeholder 2"/>
+          <p:cNvSpPr>
+            <a:spLocks noGrp="1"/>
+          </p:cNvSpPr>
+          <p:nvPr>
+            <p:ph type="body" idx="1"/>
+          </p:nvPr>
+        </p:nvSpPr>
+        <p:spPr/>
+        <p:txBody>
+          <a:bodyPr/>
+          <a:lstStyle/>
+          <a:p>
+            <a:r>
+              <a:rPr lang="en-GB" dirty="0"/>
+              <a:t>Point 1: This includes many industry standards.</a:t>
+            </a:r>
+          </a:p>
+          <a:p>
+            <a:pPr marL="0" marR="0" lvl="0" indent="0" algn="l" defTabSz="914400" rtl="0" eaLnBrk="1" fontAlgn="auto" latinLnBrk="0" hangingPunct="1">
+              <a:lnSpc>
+                <a:spcPct val="100000"/>
+              </a:lnSpc>
+              <a:spcBef>
+                <a:spcPts val="0"/>
+              </a:spcBef>
+              <a:spcAft>
+                <a:spcPts val="0"/>
+              </a:spcAft>
+              <a:buClrTx/>
+              <a:buSzTx/>
+              <a:buFontTx/>
+              <a:buNone/>
+              <a:tabLst/>
+              <a:defRPr/>
+            </a:pPr>
+            <a:r>
+              <a:rPr lang="en-GB" dirty="0"/>
+              <a:t>Point 2: Even if it could auto-fill, this would be incredibly limited due to the development time required.</a:t>
+            </a:r>
+          </a:p>
+          <a:p>
+            <a:r>
+              <a:rPr lang="en-GB" dirty="0"/>
+              <a:t>Point 3: This said, the application can be reset by deleting both the stored sign-in details and credentials.</a:t>
+            </a:r>
+          </a:p>
+        </p:txBody>
+      </p:sp>
+      <p:sp>
+        <p:nvSpPr>
+          <p:cNvPr id="4" name="Slide Number Placeholder 3"/>
+          <p:cNvSpPr>
+            <a:spLocks noGrp="1"/>
+          </p:cNvSpPr>
+          <p:nvPr>
+            <p:ph type="sldNum" sz="quarter" idx="5"/>
+          </p:nvPr>
+        </p:nvSpPr>
+        <p:spPr/>
+        <p:txBody>
+          <a:bodyPr/>
+          <a:lstStyle/>
+          <a:p>
+            <a:fld id="{E9FCF9A7-EAB3-474B-B51F-883BF6ED0CC5}" type="slidenum">
+              <a:rPr lang="en-GB" smtClean="0"/>
+              <a:t>8</a:t>
+            </a:fld>
+            <a:endParaRPr lang="en-GB"/>
+          </a:p>
+        </p:txBody>
+      </p:sp>
+    </p:spTree>
+    <p:extLst>
+      <p:ext uri="{BB962C8B-B14F-4D97-AF65-F5344CB8AC3E}">
+        <p14:creationId xmlns:p14="http://schemas.microsoft.com/office/powerpoint/2010/main" val="1988402082"/>
       </p:ext>
     </p:extLst>
   </p:cSld>
@@ -3807,7 +4205,10 @@
           <a:bodyPr/>
           <a:lstStyle/>
           <a:p>
-            <a:endParaRPr lang="en-GB"/>
+            <a:r>
+              <a:rPr lang="en-GB" dirty="0"/>
+              <a:t>COMP 1004 Interim Video</a:t>
+            </a:r>
           </a:p>
         </p:txBody>
       </p:sp>
@@ -3832,7 +4233,10 @@
           <a:bodyPr/>
           <a:lstStyle/>
           <a:p>
-            <a:endParaRPr lang="en-GB"/>
+            <a:r>
+              <a:rPr lang="en-GB" dirty="0"/>
+              <a:t>Max Lowther</a:t>
+            </a:r>
           </a:p>
         </p:txBody>
       </p:sp>
@@ -3840,6 +4244,812 @@
     <p:extLst>
       <p:ext uri="{BB962C8B-B14F-4D97-AF65-F5344CB8AC3E}">
         <p14:creationId xmlns:p14="http://schemas.microsoft.com/office/powerpoint/2010/main" val="2073068324"/>
+      </p:ext>
+    </p:extLst>
+  </p:cSld>
+  <p:clrMapOvr>
+    <a:masterClrMapping/>
+  </p:clrMapOvr>
+</p:sld>
+</file>
+
+<file path=ppt/slides/slide2.xml><?xml version="1.0" encoding="utf-8"?>
+<p:sld xmlns:a="http://schemas.openxmlformats.org/drawingml/2006/main" xmlns:r="http://schemas.openxmlformats.org/officeDocument/2006/relationships" xmlns:p="http://schemas.openxmlformats.org/presentationml/2006/main">
+  <p:cSld>
+    <p:spTree>
+      <p:nvGrpSpPr>
+        <p:cNvPr id="1" name=""/>
+        <p:cNvGrpSpPr/>
+        <p:nvPr/>
+      </p:nvGrpSpPr>
+      <p:grpSpPr>
+        <a:xfrm>
+          <a:off x="0" y="0"/>
+          <a:ext cx="0" cy="0"/>
+          <a:chOff x="0" y="0"/>
+          <a:chExt cx="0" cy="0"/>
+        </a:xfrm>
+      </p:grpSpPr>
+      <p:sp>
+        <p:nvSpPr>
+          <p:cNvPr id="2" name="Title 1">
+            <a:extLst>
+              <a:ext uri="{FF2B5EF4-FFF2-40B4-BE49-F238E27FC236}">
+                <a16:creationId xmlns:a16="http://schemas.microsoft.com/office/drawing/2014/main" id="{F639BDA0-7890-FEB6-660A-54141FF46022}"/>
+              </a:ext>
+            </a:extLst>
+          </p:cNvPr>
+          <p:cNvSpPr>
+            <a:spLocks noGrp="1"/>
+          </p:cNvSpPr>
+          <p:nvPr>
+            <p:ph type="title"/>
+          </p:nvPr>
+        </p:nvSpPr>
+        <p:spPr/>
+        <p:txBody>
+          <a:bodyPr/>
+          <a:lstStyle/>
+          <a:p>
+            <a:r>
+              <a:rPr lang="en-GB" dirty="0"/>
+              <a:t>Project Vision</a:t>
+            </a:r>
+          </a:p>
+        </p:txBody>
+      </p:sp>
+      <p:sp>
+        <p:nvSpPr>
+          <p:cNvPr id="3" name="Content Placeholder 2">
+            <a:extLst>
+              <a:ext uri="{FF2B5EF4-FFF2-40B4-BE49-F238E27FC236}">
+                <a16:creationId xmlns:a16="http://schemas.microsoft.com/office/drawing/2014/main" id="{B7623E88-3C53-E93A-0DEA-FA7E6E17A5D3}"/>
+              </a:ext>
+            </a:extLst>
+          </p:cNvPr>
+          <p:cNvSpPr>
+            <a:spLocks noGrp="1"/>
+          </p:cNvSpPr>
+          <p:nvPr>
+            <p:ph idx="1"/>
+          </p:nvPr>
+        </p:nvSpPr>
+        <p:spPr/>
+        <p:txBody>
+          <a:bodyPr/>
+          <a:lstStyle/>
+          <a:p>
+            <a:r>
+              <a:rPr lang="en-GB" dirty="0"/>
+              <a:t>This web application stores both usernames and passwords for a user, making it easier for them to sign-in to applications and websites.</a:t>
+            </a:r>
+          </a:p>
+          <a:p>
+            <a:r>
+              <a:rPr lang="en-GB" dirty="0"/>
+              <a:t>The application stores these details locally in a secure format, and this may only be accessed by a sign-in, keeping their details from being accessed without permission.</a:t>
+            </a:r>
+          </a:p>
+        </p:txBody>
+      </p:sp>
+    </p:spTree>
+    <p:extLst>
+      <p:ext uri="{BB962C8B-B14F-4D97-AF65-F5344CB8AC3E}">
+        <p14:creationId xmlns:p14="http://schemas.microsoft.com/office/powerpoint/2010/main" val="2755132138"/>
+      </p:ext>
+    </p:extLst>
+  </p:cSld>
+  <p:clrMapOvr>
+    <a:masterClrMapping/>
+  </p:clrMapOvr>
+</p:sld>
+</file>
+
+<file path=ppt/slides/slide3.xml><?xml version="1.0" encoding="utf-8"?>
+<p:sld xmlns:a="http://schemas.openxmlformats.org/drawingml/2006/main" xmlns:r="http://schemas.openxmlformats.org/officeDocument/2006/relationships" xmlns:p="http://schemas.openxmlformats.org/presentationml/2006/main">
+  <p:cSld>
+    <p:spTree>
+      <p:nvGrpSpPr>
+        <p:cNvPr id="1" name=""/>
+        <p:cNvGrpSpPr/>
+        <p:nvPr/>
+      </p:nvGrpSpPr>
+      <p:grpSpPr>
+        <a:xfrm>
+          <a:off x="0" y="0"/>
+          <a:ext cx="0" cy="0"/>
+          <a:chOff x="0" y="0"/>
+          <a:chExt cx="0" cy="0"/>
+        </a:xfrm>
+      </p:grpSpPr>
+      <p:sp>
+        <p:nvSpPr>
+          <p:cNvPr id="2" name="Title 1">
+            <a:extLst>
+              <a:ext uri="{FF2B5EF4-FFF2-40B4-BE49-F238E27FC236}">
+                <a16:creationId xmlns:a16="http://schemas.microsoft.com/office/drawing/2014/main" id="{8A557925-2BF3-9188-EB62-09190224432A}"/>
+              </a:ext>
+            </a:extLst>
+          </p:cNvPr>
+          <p:cNvSpPr>
+            <a:spLocks noGrp="1"/>
+          </p:cNvSpPr>
+          <p:nvPr>
+            <p:ph type="title"/>
+          </p:nvPr>
+        </p:nvSpPr>
+        <p:spPr/>
+        <p:txBody>
+          <a:bodyPr/>
+          <a:lstStyle/>
+          <a:p>
+            <a:r>
+              <a:rPr lang="en-GB" dirty="0"/>
+              <a:t>Project Background</a:t>
+            </a:r>
+          </a:p>
+        </p:txBody>
+      </p:sp>
+      <p:sp>
+        <p:nvSpPr>
+          <p:cNvPr id="3" name="Content Placeholder 2">
+            <a:extLst>
+              <a:ext uri="{FF2B5EF4-FFF2-40B4-BE49-F238E27FC236}">
+                <a16:creationId xmlns:a16="http://schemas.microsoft.com/office/drawing/2014/main" id="{6DDA0515-430D-269D-4FDA-936B4D6DC234}"/>
+              </a:ext>
+            </a:extLst>
+          </p:cNvPr>
+          <p:cNvSpPr>
+            <a:spLocks noGrp="1"/>
+          </p:cNvSpPr>
+          <p:nvPr>
+            <p:ph idx="1"/>
+          </p:nvPr>
+        </p:nvSpPr>
+        <p:spPr/>
+        <p:txBody>
+          <a:bodyPr/>
+          <a:lstStyle/>
+          <a:p>
+            <a:r>
+              <a:rPr lang="en-GB" dirty="0"/>
+              <a:t>There are many similar password managers, some are local applications, such as </a:t>
+            </a:r>
+            <a:r>
+              <a:rPr lang="en-GB" dirty="0" err="1"/>
+              <a:t>Nordpass</a:t>
+            </a:r>
+            <a:r>
+              <a:rPr lang="en-GB" dirty="0"/>
+              <a:t>, while others are webapps or built into browsers, such as the Chrome password manager.</a:t>
+            </a:r>
+          </a:p>
+          <a:p>
+            <a:r>
+              <a:rPr lang="en-GB" dirty="0"/>
+              <a:t>This program acts similarly to other such managers, but unlike most stores credentials entirely locally.</a:t>
+            </a:r>
+          </a:p>
+        </p:txBody>
+      </p:sp>
+    </p:spTree>
+    <p:extLst>
+      <p:ext uri="{BB962C8B-B14F-4D97-AF65-F5344CB8AC3E}">
+        <p14:creationId xmlns:p14="http://schemas.microsoft.com/office/powerpoint/2010/main" val="3109221771"/>
+      </p:ext>
+    </p:extLst>
+  </p:cSld>
+  <p:clrMapOvr>
+    <a:masterClrMapping/>
+  </p:clrMapOvr>
+</p:sld>
+</file>
+
+<file path=ppt/slides/slide4.xml><?xml version="1.0" encoding="utf-8"?>
+<p:sld xmlns:a="http://schemas.openxmlformats.org/drawingml/2006/main" xmlns:r="http://schemas.openxmlformats.org/officeDocument/2006/relationships" xmlns:p="http://schemas.openxmlformats.org/presentationml/2006/main">
+  <p:cSld>
+    <p:spTree>
+      <p:nvGrpSpPr>
+        <p:cNvPr id="1" name=""/>
+        <p:cNvGrpSpPr/>
+        <p:nvPr/>
+      </p:nvGrpSpPr>
+      <p:grpSpPr>
+        <a:xfrm>
+          <a:off x="0" y="0"/>
+          <a:ext cx="0" cy="0"/>
+          <a:chOff x="0" y="0"/>
+          <a:chExt cx="0" cy="0"/>
+        </a:xfrm>
+      </p:grpSpPr>
+      <p:sp>
+        <p:nvSpPr>
+          <p:cNvPr id="2" name="Title 1">
+            <a:extLst>
+              <a:ext uri="{FF2B5EF4-FFF2-40B4-BE49-F238E27FC236}">
+                <a16:creationId xmlns:a16="http://schemas.microsoft.com/office/drawing/2014/main" id="{21E99C3D-5A43-BCAC-64CC-A59C03F5E6CA}"/>
+              </a:ext>
+            </a:extLst>
+          </p:cNvPr>
+          <p:cNvSpPr>
+            <a:spLocks noGrp="1"/>
+          </p:cNvSpPr>
+          <p:nvPr>
+            <p:ph type="title"/>
+          </p:nvPr>
+        </p:nvSpPr>
+        <p:spPr/>
+        <p:txBody>
+          <a:bodyPr/>
+          <a:lstStyle/>
+          <a:p>
+            <a:r>
+              <a:rPr lang="en-GB" dirty="0"/>
+              <a:t>Planning and Sprints</a:t>
+            </a:r>
+          </a:p>
+        </p:txBody>
+      </p:sp>
+      <p:sp>
+        <p:nvSpPr>
+          <p:cNvPr id="3" name="Content Placeholder 2">
+            <a:extLst>
+              <a:ext uri="{FF2B5EF4-FFF2-40B4-BE49-F238E27FC236}">
+                <a16:creationId xmlns:a16="http://schemas.microsoft.com/office/drawing/2014/main" id="{2D44881C-6765-E62C-6EBE-55000B84CFE7}"/>
+              </a:ext>
+            </a:extLst>
+          </p:cNvPr>
+          <p:cNvSpPr>
+            <a:spLocks noGrp="1"/>
+          </p:cNvSpPr>
+          <p:nvPr>
+            <p:ph idx="1"/>
+          </p:nvPr>
+        </p:nvSpPr>
+        <p:spPr/>
+        <p:txBody>
+          <a:bodyPr>
+            <a:normAutofit fontScale="92500" lnSpcReduction="10000"/>
+          </a:bodyPr>
+          <a:lstStyle/>
+          <a:p>
+            <a:r>
+              <a:rPr lang="en-GB" dirty="0"/>
+              <a:t>At time of writing, two sprints have been completed, one is currently in progress, and a fourth is fully planned.</a:t>
+            </a:r>
+          </a:p>
+          <a:p>
+            <a:r>
+              <a:rPr lang="en-GB" dirty="0"/>
+              <a:t>In Sprint 1 very little code development was performed, with most work being for research and a limited amount of design.</a:t>
+            </a:r>
+          </a:p>
+          <a:p>
+            <a:r>
+              <a:rPr lang="en-GB" dirty="0"/>
+              <a:t>In Sprint 2, initial designs were planned out, alongside the first prototype of the webpage.</a:t>
+            </a:r>
+          </a:p>
+          <a:p>
+            <a:r>
+              <a:rPr lang="en-GB" dirty="0"/>
+              <a:t>In Sprint 3, a significant amount of functionality is expected to be added, at minimum including sign-in and loading/saving. Proper encryption may also be added in this sprint or the next.</a:t>
+            </a:r>
+          </a:p>
+          <a:p>
+            <a:r>
+              <a:rPr lang="en-GB" dirty="0"/>
+              <a:t>In Sprint 4, additional functionality –the ability to show and hide passwords alongside copying them- is expected to be added.</a:t>
+            </a:r>
+          </a:p>
+        </p:txBody>
+      </p:sp>
+    </p:spTree>
+    <p:extLst>
+      <p:ext uri="{BB962C8B-B14F-4D97-AF65-F5344CB8AC3E}">
+        <p14:creationId xmlns:p14="http://schemas.microsoft.com/office/powerpoint/2010/main" val="2672366081"/>
+      </p:ext>
+    </p:extLst>
+  </p:cSld>
+  <p:clrMapOvr>
+    <a:masterClrMapping/>
+  </p:clrMapOvr>
+</p:sld>
+</file>
+
+<file path=ppt/slides/slide5.xml><?xml version="1.0" encoding="utf-8"?>
+<p:sld xmlns:a="http://schemas.openxmlformats.org/drawingml/2006/main" xmlns:r="http://schemas.openxmlformats.org/officeDocument/2006/relationships" xmlns:p="http://schemas.openxmlformats.org/presentationml/2006/main">
+  <p:cSld>
+    <p:spTree>
+      <p:nvGrpSpPr>
+        <p:cNvPr id="1" name=""/>
+        <p:cNvGrpSpPr/>
+        <p:nvPr/>
+      </p:nvGrpSpPr>
+      <p:grpSpPr>
+        <a:xfrm>
+          <a:off x="0" y="0"/>
+          <a:ext cx="0" cy="0"/>
+          <a:chOff x="0" y="0"/>
+          <a:chExt cx="0" cy="0"/>
+        </a:xfrm>
+      </p:grpSpPr>
+      <p:sp>
+        <p:nvSpPr>
+          <p:cNvPr id="2" name="Title 1">
+            <a:extLst>
+              <a:ext uri="{FF2B5EF4-FFF2-40B4-BE49-F238E27FC236}">
+                <a16:creationId xmlns:a16="http://schemas.microsoft.com/office/drawing/2014/main" id="{9124E8B8-C0B9-2F94-2F22-E10EB78161B8}"/>
+              </a:ext>
+            </a:extLst>
+          </p:cNvPr>
+          <p:cNvSpPr>
+            <a:spLocks noGrp="1"/>
+          </p:cNvSpPr>
+          <p:nvPr>
+            <p:ph type="title"/>
+          </p:nvPr>
+        </p:nvSpPr>
+        <p:spPr/>
+        <p:txBody>
+          <a:bodyPr/>
+          <a:lstStyle/>
+          <a:p>
+            <a:r>
+              <a:rPr lang="en-GB" dirty="0"/>
+              <a:t>User Stories</a:t>
+            </a:r>
+          </a:p>
+        </p:txBody>
+      </p:sp>
+      <p:sp>
+        <p:nvSpPr>
+          <p:cNvPr id="3" name="Content Placeholder 2">
+            <a:extLst>
+              <a:ext uri="{FF2B5EF4-FFF2-40B4-BE49-F238E27FC236}">
+                <a16:creationId xmlns:a16="http://schemas.microsoft.com/office/drawing/2014/main" id="{0B8A77BD-FBE2-6DEF-9FE0-10FA88699F8F}"/>
+              </a:ext>
+            </a:extLst>
+          </p:cNvPr>
+          <p:cNvSpPr>
+            <a:spLocks noGrp="1"/>
+          </p:cNvSpPr>
+          <p:nvPr>
+            <p:ph idx="1"/>
+          </p:nvPr>
+        </p:nvSpPr>
+        <p:spPr/>
+        <p:txBody>
+          <a:bodyPr>
+            <a:normAutofit fontScale="77500" lnSpcReduction="20000"/>
+          </a:bodyPr>
+          <a:lstStyle/>
+          <a:p>
+            <a:pPr>
+              <a:lnSpc>
+                <a:spcPct val="107000"/>
+              </a:lnSpc>
+              <a:spcAft>
+                <a:spcPts val="800"/>
+              </a:spcAft>
+            </a:pPr>
+            <a:r>
+              <a:rPr lang="en-GB" dirty="0"/>
+              <a:t>As a user, I want to have easy access to my passwords so that I can spend less time signing in and won’t lose them.</a:t>
+            </a:r>
+          </a:p>
+          <a:p>
+            <a:pPr>
+              <a:lnSpc>
+                <a:spcPct val="107000"/>
+              </a:lnSpc>
+              <a:spcAft>
+                <a:spcPts val="800"/>
+              </a:spcAft>
+            </a:pPr>
+            <a:r>
+              <a:rPr lang="en-GB" dirty="0"/>
+              <a:t>As a user, I want my log in information to remain secure, so it is unlikely for my accounts to be breached.</a:t>
+            </a:r>
+          </a:p>
+          <a:p>
+            <a:pPr>
+              <a:lnSpc>
+                <a:spcPct val="107000"/>
+              </a:lnSpc>
+              <a:spcAft>
+                <a:spcPts val="800"/>
+              </a:spcAft>
+            </a:pPr>
+            <a:r>
+              <a:rPr lang="en-GB" dirty="0"/>
+              <a:t>As a user, I want secure information (such as my passwords) to be behind a sign in, so malicious actors cannot access them even if they gain access to my computer.</a:t>
+            </a:r>
+          </a:p>
+          <a:p>
+            <a:pPr>
+              <a:lnSpc>
+                <a:spcPct val="107000"/>
+              </a:lnSpc>
+              <a:spcAft>
+                <a:spcPts val="800"/>
+              </a:spcAft>
+            </a:pPr>
+            <a:r>
+              <a:rPr lang="en-GB" dirty="0"/>
+              <a:t>As a user, I want to be able to reset my login password, so if I forget it, I can still access my other passwords.</a:t>
+            </a:r>
+          </a:p>
+          <a:p>
+            <a:r>
+              <a:rPr lang="en-GB" dirty="0"/>
+              <a:t>As a user, I want the application to be easily accessible, preferably without requiring any prerequisites, so it is easier to install and use.</a:t>
+            </a:r>
+          </a:p>
+        </p:txBody>
+      </p:sp>
+    </p:spTree>
+    <p:extLst>
+      <p:ext uri="{BB962C8B-B14F-4D97-AF65-F5344CB8AC3E}">
+        <p14:creationId xmlns:p14="http://schemas.microsoft.com/office/powerpoint/2010/main" val="2199420194"/>
+      </p:ext>
+    </p:extLst>
+  </p:cSld>
+  <p:clrMapOvr>
+    <a:masterClrMapping/>
+  </p:clrMapOvr>
+</p:sld>
+</file>
+
+<file path=ppt/slides/slide6.xml><?xml version="1.0" encoding="utf-8"?>
+<p:sld xmlns:a="http://schemas.openxmlformats.org/drawingml/2006/main" xmlns:r="http://schemas.openxmlformats.org/officeDocument/2006/relationships" xmlns:p="http://schemas.openxmlformats.org/presentationml/2006/main">
+  <p:cSld>
+    <p:spTree>
+      <p:nvGrpSpPr>
+        <p:cNvPr id="1" name=""/>
+        <p:cNvGrpSpPr/>
+        <p:nvPr/>
+      </p:nvGrpSpPr>
+      <p:grpSpPr>
+        <a:xfrm>
+          <a:off x="0" y="0"/>
+          <a:ext cx="0" cy="0"/>
+          <a:chOff x="0" y="0"/>
+          <a:chExt cx="0" cy="0"/>
+        </a:xfrm>
+      </p:grpSpPr>
+      <p:sp>
+        <p:nvSpPr>
+          <p:cNvPr id="2" name="Title 1">
+            <a:extLst>
+              <a:ext uri="{FF2B5EF4-FFF2-40B4-BE49-F238E27FC236}">
+                <a16:creationId xmlns:a16="http://schemas.microsoft.com/office/drawing/2014/main" id="{FAF3E2D2-5C60-70B7-FB8E-A8766F8457E0}"/>
+              </a:ext>
+            </a:extLst>
+          </p:cNvPr>
+          <p:cNvSpPr>
+            <a:spLocks noGrp="1"/>
+          </p:cNvSpPr>
+          <p:nvPr>
+            <p:ph type="title"/>
+          </p:nvPr>
+        </p:nvSpPr>
+        <p:spPr/>
+        <p:txBody>
+          <a:bodyPr/>
+          <a:lstStyle/>
+          <a:p>
+            <a:r>
+              <a:rPr lang="en-GB" dirty="0"/>
+              <a:t>UML Models</a:t>
+            </a:r>
+          </a:p>
+        </p:txBody>
+      </p:sp>
+      <p:pic>
+        <p:nvPicPr>
+          <p:cNvPr id="7" name="Picture 6" descr="A screenshot of a diagram&#10;&#10;Description automatically generated">
+            <a:extLst>
+              <a:ext uri="{FF2B5EF4-FFF2-40B4-BE49-F238E27FC236}">
+                <a16:creationId xmlns:a16="http://schemas.microsoft.com/office/drawing/2014/main" id="{C6E35096-8407-B111-4041-CE8ADFDDA26B}"/>
+              </a:ext>
+            </a:extLst>
+          </p:cNvPr>
+          <p:cNvPicPr>
+            <a:picLocks noChangeAspect="1"/>
+          </p:cNvPicPr>
+          <p:nvPr/>
+        </p:nvPicPr>
+        <p:blipFill>
+          <a:blip r:embed="rId3">
+            <a:extLst>
+              <a:ext uri="{28A0092B-C50C-407E-A947-70E740481C1C}">
+                <a14:useLocalDpi xmlns:a14="http://schemas.microsoft.com/office/drawing/2010/main" val="0"/>
+              </a:ext>
+            </a:extLst>
+          </a:blip>
+          <a:stretch>
+            <a:fillRect/>
+          </a:stretch>
+        </p:blipFill>
+        <p:spPr>
+          <a:xfrm>
+            <a:off x="0" y="1690688"/>
+            <a:ext cx="4276725" cy="3590925"/>
+          </a:xfrm>
+          <a:prstGeom prst="rect">
+            <a:avLst/>
+          </a:prstGeom>
+        </p:spPr>
+      </p:pic>
+      <p:pic>
+        <p:nvPicPr>
+          <p:cNvPr id="10" name="Picture 9" descr="A diagram of a sign in&#10;&#10;Description automatically generated">
+            <a:extLst>
+              <a:ext uri="{FF2B5EF4-FFF2-40B4-BE49-F238E27FC236}">
+                <a16:creationId xmlns:a16="http://schemas.microsoft.com/office/drawing/2014/main" id="{258C6417-A9F8-DAAD-92CC-CADD9A5C406D}"/>
+              </a:ext>
+            </a:extLst>
+          </p:cNvPr>
+          <p:cNvPicPr>
+            <a:picLocks noChangeAspect="1"/>
+          </p:cNvPicPr>
+          <p:nvPr/>
+        </p:nvPicPr>
+        <p:blipFill>
+          <a:blip r:embed="rId4">
+            <a:extLst>
+              <a:ext uri="{28A0092B-C50C-407E-A947-70E740481C1C}">
+                <a14:useLocalDpi xmlns:a14="http://schemas.microsoft.com/office/drawing/2010/main" val="0"/>
+              </a:ext>
+            </a:extLst>
+          </a:blip>
+          <a:stretch>
+            <a:fillRect/>
+          </a:stretch>
+        </p:blipFill>
+        <p:spPr>
+          <a:xfrm>
+            <a:off x="6637712" y="1690688"/>
+            <a:ext cx="5554288" cy="3476624"/>
+          </a:xfrm>
+          <a:prstGeom prst="rect">
+            <a:avLst/>
+          </a:prstGeom>
+        </p:spPr>
+      </p:pic>
+    </p:spTree>
+    <p:extLst>
+      <p:ext uri="{BB962C8B-B14F-4D97-AF65-F5344CB8AC3E}">
+        <p14:creationId xmlns:p14="http://schemas.microsoft.com/office/powerpoint/2010/main" val="741589706"/>
+      </p:ext>
+    </p:extLst>
+  </p:cSld>
+  <p:clrMapOvr>
+    <a:masterClrMapping/>
+  </p:clrMapOvr>
+</p:sld>
+</file>
+
+<file path=ppt/slides/slide7.xml><?xml version="1.0" encoding="utf-8"?>
+<p:sld xmlns:a="http://schemas.openxmlformats.org/drawingml/2006/main" xmlns:r="http://schemas.openxmlformats.org/officeDocument/2006/relationships" xmlns:p="http://schemas.openxmlformats.org/presentationml/2006/main">
+  <p:cSld>
+    <p:spTree>
+      <p:nvGrpSpPr>
+        <p:cNvPr id="1" name=""/>
+        <p:cNvGrpSpPr/>
+        <p:nvPr/>
+      </p:nvGrpSpPr>
+      <p:grpSpPr>
+        <a:xfrm>
+          <a:off x="0" y="0"/>
+          <a:ext cx="0" cy="0"/>
+          <a:chOff x="0" y="0"/>
+          <a:chExt cx="0" cy="0"/>
+        </a:xfrm>
+      </p:grpSpPr>
+      <p:sp>
+        <p:nvSpPr>
+          <p:cNvPr id="2" name="Title 1">
+            <a:extLst>
+              <a:ext uri="{FF2B5EF4-FFF2-40B4-BE49-F238E27FC236}">
+                <a16:creationId xmlns:a16="http://schemas.microsoft.com/office/drawing/2014/main" id="{C9530239-CEF4-2AEB-9B2D-364FD4B77A43}"/>
+              </a:ext>
+            </a:extLst>
+          </p:cNvPr>
+          <p:cNvSpPr>
+            <a:spLocks noGrp="1"/>
+          </p:cNvSpPr>
+          <p:nvPr>
+            <p:ph type="title"/>
+          </p:nvPr>
+        </p:nvSpPr>
+        <p:spPr/>
+        <p:txBody>
+          <a:bodyPr/>
+          <a:lstStyle/>
+          <a:p>
+            <a:r>
+              <a:rPr lang="en-GB" dirty="0"/>
+              <a:t>Page Designs</a:t>
+            </a:r>
+          </a:p>
+        </p:txBody>
+      </p:sp>
+      <p:pic>
+        <p:nvPicPr>
+          <p:cNvPr id="4" name="Picture 3" descr="A black text on a white background&#10;&#10;Description automatically generated">
+            <a:extLst>
+              <a:ext uri="{FF2B5EF4-FFF2-40B4-BE49-F238E27FC236}">
+                <a16:creationId xmlns:a16="http://schemas.microsoft.com/office/drawing/2014/main" id="{FCC18999-AAAD-F919-D007-DEA37E47199A}"/>
+              </a:ext>
+            </a:extLst>
+          </p:cNvPr>
+          <p:cNvPicPr>
+            <a:picLocks noChangeAspect="1"/>
+          </p:cNvPicPr>
+          <p:nvPr/>
+        </p:nvPicPr>
+        <p:blipFill>
+          <a:blip r:embed="rId3">
+            <a:extLst>
+              <a:ext uri="{28A0092B-C50C-407E-A947-70E740481C1C}">
+                <a14:useLocalDpi xmlns:a14="http://schemas.microsoft.com/office/drawing/2010/main" val="0"/>
+              </a:ext>
+            </a:extLst>
+          </a:blip>
+          <a:stretch>
+            <a:fillRect/>
+          </a:stretch>
+        </p:blipFill>
+        <p:spPr>
+          <a:xfrm>
+            <a:off x="838200" y="2862262"/>
+            <a:ext cx="4572635" cy="1133475"/>
+          </a:xfrm>
+          <a:prstGeom prst="rect">
+            <a:avLst/>
+          </a:prstGeom>
+        </p:spPr>
+      </p:pic>
+      <p:pic>
+        <p:nvPicPr>
+          <p:cNvPr id="5" name="Picture 4" descr="A sign in box with red text&#10;&#10;Description automatically generated">
+            <a:extLst>
+              <a:ext uri="{FF2B5EF4-FFF2-40B4-BE49-F238E27FC236}">
+                <a16:creationId xmlns:a16="http://schemas.microsoft.com/office/drawing/2014/main" id="{DB677FF9-DA99-3BA5-5173-388613F60A68}"/>
+              </a:ext>
+            </a:extLst>
+          </p:cNvPr>
+          <p:cNvPicPr>
+            <a:picLocks noChangeAspect="1"/>
+          </p:cNvPicPr>
+          <p:nvPr/>
+        </p:nvPicPr>
+        <p:blipFill>
+          <a:blip r:embed="rId4">
+            <a:extLst>
+              <a:ext uri="{28A0092B-C50C-407E-A947-70E740481C1C}">
+                <a14:useLocalDpi xmlns:a14="http://schemas.microsoft.com/office/drawing/2010/main" val="0"/>
+              </a:ext>
+            </a:extLst>
+          </a:blip>
+          <a:stretch>
+            <a:fillRect/>
+          </a:stretch>
+        </p:blipFill>
+        <p:spPr>
+          <a:xfrm>
+            <a:off x="6781165" y="2238374"/>
+            <a:ext cx="4572635" cy="2381250"/>
+          </a:xfrm>
+          <a:prstGeom prst="rect">
+            <a:avLst/>
+          </a:prstGeom>
+        </p:spPr>
+      </p:pic>
+    </p:spTree>
+    <p:extLst>
+      <p:ext uri="{BB962C8B-B14F-4D97-AF65-F5344CB8AC3E}">
+        <p14:creationId xmlns:p14="http://schemas.microsoft.com/office/powerpoint/2010/main" val="2372655874"/>
+      </p:ext>
+    </p:extLst>
+  </p:cSld>
+  <p:clrMapOvr>
+    <a:masterClrMapping/>
+  </p:clrMapOvr>
+</p:sld>
+</file>
+
+<file path=ppt/slides/slide8.xml><?xml version="1.0" encoding="utf-8"?>
+<p:sld xmlns:a="http://schemas.openxmlformats.org/drawingml/2006/main" xmlns:r="http://schemas.openxmlformats.org/officeDocument/2006/relationships" xmlns:p="http://schemas.openxmlformats.org/presentationml/2006/main">
+  <p:cSld>
+    <p:spTree>
+      <p:nvGrpSpPr>
+        <p:cNvPr id="1" name=""/>
+        <p:cNvGrpSpPr/>
+        <p:nvPr/>
+      </p:nvGrpSpPr>
+      <p:grpSpPr>
+        <a:xfrm>
+          <a:off x="0" y="0"/>
+          <a:ext cx="0" cy="0"/>
+          <a:chOff x="0" y="0"/>
+          <a:chExt cx="0" cy="0"/>
+        </a:xfrm>
+      </p:grpSpPr>
+      <p:sp>
+        <p:nvSpPr>
+          <p:cNvPr id="2" name="Title 1">
+            <a:extLst>
+              <a:ext uri="{FF2B5EF4-FFF2-40B4-BE49-F238E27FC236}">
+                <a16:creationId xmlns:a16="http://schemas.microsoft.com/office/drawing/2014/main" id="{F66BEBE0-C550-A747-D2CB-0CE0E51D38D9}"/>
+              </a:ext>
+            </a:extLst>
+          </p:cNvPr>
+          <p:cNvSpPr>
+            <a:spLocks noGrp="1"/>
+          </p:cNvSpPr>
+          <p:nvPr>
+            <p:ph type="title"/>
+          </p:nvPr>
+        </p:nvSpPr>
+        <p:spPr/>
+        <p:txBody>
+          <a:bodyPr/>
+          <a:lstStyle/>
+          <a:p>
+            <a:r>
+              <a:rPr lang="en-GB" dirty="0"/>
+              <a:t>Issues and Challenges</a:t>
+            </a:r>
+          </a:p>
+        </p:txBody>
+      </p:sp>
+      <p:sp>
+        <p:nvSpPr>
+          <p:cNvPr id="3" name="Content Placeholder 2">
+            <a:extLst>
+              <a:ext uri="{FF2B5EF4-FFF2-40B4-BE49-F238E27FC236}">
+                <a16:creationId xmlns:a16="http://schemas.microsoft.com/office/drawing/2014/main" id="{CD90B7D5-783D-8BC4-314C-D18C7EFECF6D}"/>
+              </a:ext>
+            </a:extLst>
+          </p:cNvPr>
+          <p:cNvSpPr>
+            <a:spLocks noGrp="1"/>
+          </p:cNvSpPr>
+          <p:nvPr>
+            <p:ph idx="1"/>
+          </p:nvPr>
+        </p:nvSpPr>
+        <p:spPr/>
+        <p:txBody>
+          <a:bodyPr/>
+          <a:lstStyle/>
+          <a:p>
+            <a:r>
+              <a:rPr lang="en-GB" dirty="0"/>
+              <a:t>Due to the restriction of the project to exclusively HTML, CSS and JS, many cryptographic schemes cannot be used.</a:t>
+            </a:r>
+          </a:p>
+          <a:p>
+            <a:r>
+              <a:rPr lang="en-GB" dirty="0"/>
+              <a:t>As this is a local application, and does not plug-in to browsers, it cannot be used to auto-fill usernames and passwords.</a:t>
+            </a:r>
+          </a:p>
+          <a:p>
+            <a:r>
+              <a:rPr lang="en-GB" dirty="0"/>
+              <a:t>As there are no servers, there is no method to reset sign-in details while maintaining security.</a:t>
+            </a:r>
+          </a:p>
+        </p:txBody>
+      </p:sp>
+    </p:spTree>
+    <p:extLst>
+      <p:ext uri="{BB962C8B-B14F-4D97-AF65-F5344CB8AC3E}">
+        <p14:creationId xmlns:p14="http://schemas.microsoft.com/office/powerpoint/2010/main" val="3966524464"/>
       </p:ext>
     </p:extLst>
   </p:cSld>
